--- a/public/pdfs/unlimited-dev-capacity-pm-playbook.pptx
+++ b/public/pdfs/unlimited-dev-capacity-pm-playbook.pptx
@@ -7161,8 +7161,8 @@
         </p:nvSpPr>
         <p:spPr>
           <a:xfrm>
-            <a:off x="731520" y="548640"/>
-            <a:ext cx="7680960" cy="2240280"/>
+            <a:off x="731520" y="365760"/>
+            <a:ext cx="7680960" cy="2194560"/>
           </a:xfrm>
           <a:prstGeom prst="rect">
             <a:avLst/>
@@ -7171,26 +7171,41 @@
           <a:ln/>
         </p:spPr>
         <p:txBody>
-          <a:bodyPr wrap="square" rtlCol="0" anchor="ctr"/>
-          <a:lstStyle/>
-          <a:p>
-            <a:pPr indent="0" marL="0">
-              <a:lnSpc>
-                <a:spcPct val="110000"/>
-              </a:lnSpc>
-              <a:buNone/>
-            </a:pPr>
-            <a:r>
-              <a:rPr sz="4800" i="1">
+          <a:bodyPr wrap="square" lIns="0" tIns="0" rIns="0" bIns="0" rtlCol="0" anchor="b"/>
+          <a:lstStyle/>
+          <a:p>
+            <a:pPr indent="0" marL="0">
+              <a:buNone/>
+            </a:pPr>
+            <a:r>
+              <a:rPr lang="en-US" sz="4200" i="1" dirty="0">
                 <a:solidFill>
                   <a:srgbClr val="FFFFFF"/>
                 </a:solidFill>
-                <a:latin typeface="Georgia"/>
-              </a:rPr>
-              <a:t>Unlimited Dev Capacity.
-The PM's Job in 2026.</a:t>
-            </a:r>
-            <a:endParaRPr lang="en-US" sz="3600" dirty="0"/>
+                <a:latin typeface="Georgia" pitchFamily="34" charset="0"/>
+                <a:ea typeface="Georgia" pitchFamily="34" charset="-122"/>
+                <a:cs typeface="Georgia" pitchFamily="34" charset="-120"/>
+              </a:rPr>
+              <a:t>Unlimited Dev Capacity:</a:t>
+            </a:r>
+            <a:endParaRPr lang="en-US" sz="4200" dirty="0"/>
+          </a:p>
+          <a:p>
+            <a:pPr indent="0" marL="0">
+              <a:buNone/>
+            </a:pPr>
+            <a:r>
+              <a:rPr lang="en-US" sz="4200" i="1" dirty="0">
+                <a:solidFill>
+                  <a:srgbClr val="FFFFFF"/>
+                </a:solidFill>
+                <a:latin typeface="Georgia" pitchFamily="34" charset="0"/>
+                <a:ea typeface="Georgia" pitchFamily="34" charset="-122"/>
+                <a:cs typeface="Georgia" pitchFamily="34" charset="-120"/>
+              </a:rPr>
+              <a:t>The Role of a PM in 2026</a:t>
+            </a:r>
+            <a:endParaRPr lang="en-US" sz="4200" dirty="0"/>
           </a:p>
         </p:txBody>
       </p:sp>
@@ -7423,7 +7438,7 @@
                 <a:ea typeface="Arial" pitchFamily="34" charset="-122"/>
                 <a:cs typeface="Arial" pitchFamily="34" charset="-120"/>
               </a:rPr>
-              <a:t>The Weekend Demo Problem. </a:t>
+              <a:t xml:space="preserve">The Weekend Demo Problem. </a:t>
             </a:r>
             <a:pPr indent="0" marL="0">
               <a:lnSpc>
@@ -7484,7 +7499,7 @@
                 <a:ea typeface="Arial" pitchFamily="34" charset="-122"/>
                 <a:cs typeface="Arial" pitchFamily="34" charset="-120"/>
               </a:rPr>
-              <a:t>This is the moment where product judgment either exists or it doesn't. </a:t>
+              <a:t xml:space="preserve">This is the moment where product judgment either exists or it doesn't. </a:t>
             </a:r>
             <a:pPr indent="0" marL="0">
               <a:lnSpc>
@@ -7613,7 +7628,7 @@
                 <a:ea typeface="Arial" pitchFamily="34" charset="-122"/>
                 <a:cs typeface="Arial" pitchFamily="34" charset="-120"/>
               </a:rPr>
-              <a:t>Layer 1: Market Signal. </a:t>
+              <a:t xml:space="preserve">Layer 1: Market Signal. </a:t>
             </a:r>
             <a:pPr indent="0" marL="0">
               <a:lnSpc>
@@ -7674,7 +7689,7 @@
                 <a:ea typeface="Arial" pitchFamily="34" charset="-122"/>
                 <a:cs typeface="Arial" pitchFamily="34" charset="-120"/>
               </a:rPr>
-              <a:t>Layer 2: Decision Architecture. </a:t>
+              <a:t xml:space="preserve">Layer 2: Decision Architecture. </a:t>
             </a:r>
             <a:pPr indent="0" marL="0">
               <a:lnSpc>
@@ -7803,7 +7818,7 @@
                 <a:ea typeface="Arial" pitchFamily="34" charset="-122"/>
                 <a:cs typeface="Arial" pitchFamily="34" charset="-120"/>
               </a:rPr>
-              <a:t>Layer 3: Build/Buy/Agent. </a:t>
+              <a:t xml:space="preserve">Layer 3: Build/Buy/Agent. </a:t>
             </a:r>
             <a:pPr indent="0" marL="0">
               <a:lnSpc>
@@ -7864,7 +7879,7 @@
                 <a:ea typeface="Arial" pitchFamily="34" charset="-122"/>
                 <a:cs typeface="Arial" pitchFamily="34" charset="-120"/>
               </a:rPr>
-              <a:t>Layer 4: Feedback Integrity. </a:t>
+              <a:t xml:space="preserve">Layer 4: Feedback Integrity. </a:t>
             </a:r>
             <a:pPr indent="0" marL="0">
               <a:lnSpc>
@@ -7993,7 +8008,7 @@
                 <a:ea typeface="Arial" pitchFamily="34" charset="-122"/>
                 <a:cs typeface="Arial" pitchFamily="34" charset="-120"/>
               </a:rPr>
-              <a:t>Using the Stack as a Diagnostic. </a:t>
+              <a:t xml:space="preserve">Using the Stack as a Diagnostic. </a:t>
             </a:r>
             <a:pPr indent="0" marL="0">
               <a:lnSpc>
@@ -8054,7 +8069,7 @@
                 <a:ea typeface="Arial" pitchFamily="34" charset="-122"/>
                 <a:cs typeface="Arial" pitchFamily="34" charset="-120"/>
               </a:rPr>
-              <a:t>Small Teams Win on Judgment. </a:t>
+              <a:t xml:space="preserve">Small Teams Win on Judgment. </a:t>
             </a:r>
             <a:pPr indent="0" marL="0">
               <a:lnSpc>
@@ -8390,7 +8405,7 @@
                 <a:ea typeface="Arial" pitchFamily="34" charset="-122"/>
                 <a:cs typeface="Arial" pitchFamily="34" charset="-120"/>
               </a:rPr>
-              <a:t>The Quarterly Planning Trap. </a:t>
+              <a:t xml:space="preserve">The Quarterly Planning Trap. </a:t>
             </a:r>
             <a:pPr indent="0" marL="0">
               <a:lnSpc>
@@ -8451,7 +8466,7 @@
                 <a:ea typeface="Arial" pitchFamily="34" charset="-122"/>
                 <a:cs typeface="Arial" pitchFamily="34" charset="-120"/>
               </a:rPr>
-              <a:t>So you do. </a:t>
+              <a:t xml:space="preserve">So you do. </a:t>
             </a:r>
             <a:pPr indent="0" marL="0">
               <a:lnSpc>
@@ -8580,7 +8595,7 @@
                 <a:ea typeface="Arial" pitchFamily="34" charset="-122"/>
                 <a:cs typeface="Arial" pitchFamily="34" charset="-120"/>
               </a:rPr>
-              <a:t>The Cost of Deciding. </a:t>
+              <a:t xml:space="preserve">The Cost of Deciding. </a:t>
             </a:r>
             <a:pPr indent="0" marL="0">
               <a:lnSpc>
@@ -8641,7 +8656,7 @@
                 <a:ea typeface="Arial" pitchFamily="34" charset="-122"/>
                 <a:cs typeface="Arial" pitchFamily="34" charset="-120"/>
               </a:rPr>
-              <a:t>Hidden Costs of Every Feature. </a:t>
+              <a:t xml:space="preserve">Hidden Costs of Every Feature. </a:t>
             </a:r>
             <a:pPr indent="0" marL="0">
               <a:lnSpc>
@@ -8770,7 +8785,7 @@
                 <a:ea typeface="Arial" pitchFamily="34" charset="-122"/>
                 <a:cs typeface="Arial" pitchFamily="34" charset="-120"/>
               </a:rPr>
-              <a:t>The Klarna Cautionary Tale. </a:t>
+              <a:t xml:space="preserve">The Klarna Cautionary Tale. </a:t>
             </a:r>
             <a:pPr indent="0" marL="0">
               <a:lnSpc>
@@ -10033,7 +10048,7 @@
                 <a:ea typeface="Arial" pitchFamily="34" charset="-122"/>
                 <a:cs typeface="Arial" pitchFamily="34" charset="-120"/>
               </a:rPr>
-              <a:t>Shopify's Judgment Policy. </a:t>
+              <a:t xml:space="preserve">Shopify's Judgment Policy. </a:t>
             </a:r>
             <a:pPr indent="0" marL="0">
               <a:lnSpc>
@@ -10576,7 +10591,7 @@
                 <a:ea typeface="Arial" pitchFamily="34" charset="-122"/>
                 <a:cs typeface="Arial" pitchFamily="34" charset="-120"/>
               </a:rPr>
-              <a:t>The Impossible Job Description. </a:t>
+              <a:t xml:space="preserve">The Impossible Job Description. </a:t>
             </a:r>
             <a:pPr indent="0" marL="0">
               <a:lnSpc>
@@ -10740,7 +10755,7 @@
                 <a:ea typeface="Arial" pitchFamily="34" charset="-122"/>
                 <a:cs typeface="Arial" pitchFamily="34" charset="-120"/>
               </a:rPr>
-              <a:t>The Curator. </a:t>
+              <a:t xml:space="preserve">The Curator. </a:t>
             </a:r>
             <a:pPr indent="0" marL="0">
               <a:lnSpc>
@@ -10801,7 +10816,7 @@
                 <a:ea typeface="Arial" pitchFamily="34" charset="-122"/>
                 <a:cs typeface="Arial" pitchFamily="34" charset="-120"/>
               </a:rPr>
-              <a:t>Why Companies Pay for This. </a:t>
+              <a:t xml:space="preserve">Why Companies Pay for This. </a:t>
             </a:r>
             <a:pPr indent="0" marL="0">
               <a:lnSpc>
@@ -10930,7 +10945,7 @@
                 <a:ea typeface="Arial" pitchFamily="34" charset="-122"/>
                 <a:cs typeface="Arial" pitchFamily="34" charset="-120"/>
               </a:rPr>
-              <a:t>The Architect. </a:t>
+              <a:t xml:space="preserve">The Architect. </a:t>
             </a:r>
             <a:pPr indent="0" marL="0">
               <a:lnSpc>
@@ -10991,7 +11006,7 @@
                 <a:ea typeface="Arial" pitchFamily="34" charset="-122"/>
                 <a:cs typeface="Arial" pitchFamily="34" charset="-120"/>
               </a:rPr>
-              <a:t>The Irony of AI in PM. </a:t>
+              <a:t xml:space="preserve">The Irony of AI in PM. </a:t>
             </a:r>
             <a:pPr indent="0" marL="0">
               <a:lnSpc>
@@ -11120,7 +11135,7 @@
                 <a:ea typeface="Arial" pitchFamily="34" charset="-122"/>
                 <a:cs typeface="Arial" pitchFamily="34" charset="-120"/>
               </a:rPr>
-              <a:t>The Operator. </a:t>
+              <a:t xml:space="preserve">The Operator. </a:t>
             </a:r>
             <a:pPr indent="0" marL="0">
               <a:lnSpc>
@@ -11181,7 +11196,7 @@
                 <a:ea typeface="Arial" pitchFamily="34" charset="-122"/>
                 <a:cs typeface="Arial" pitchFamily="34" charset="-120"/>
               </a:rPr>
-              <a:t>The Market Has Decided. </a:t>
+              <a:t xml:space="preserve">The Market Has Decided. </a:t>
             </a:r>
             <a:pPr indent="0" marL="0">
               <a:lnSpc>
@@ -12541,7 +12556,7 @@
                 <a:ea typeface="Arial" pitchFamily="34" charset="-122"/>
                 <a:cs typeface="Arial" pitchFamily="34" charset="-120"/>
               </a:rPr>
-              <a:t>Name the Roles. Staff Them. Stop Pretending. </a:t>
+              <a:t xml:space="preserve">Name the Roles. Staff Them. Stop Pretending. </a:t>
             </a:r>
             <a:pPr indent="0" marL="0">
               <a:lnSpc>
@@ -12877,7 +12892,7 @@
                 <a:ea typeface="Arial" pitchFamily="34" charset="-122"/>
                 <a:cs typeface="Arial" pitchFamily="34" charset="-120"/>
               </a:rPr>
-              <a:t>The Dashboard Illusion. </a:t>
+              <a:t xml:space="preserve">The Dashboard Illusion. </a:t>
             </a:r>
             <a:pPr indent="0" marL="0">
               <a:lnSpc>
@@ -13041,7 +13056,7 @@
                 <a:ea typeface="Arial" pitchFamily="34" charset="-122"/>
                 <a:cs typeface="Arial" pitchFamily="34" charset="-120"/>
               </a:rPr>
-              <a:t>Human Intent Signals: </a:t>
+              <a:t xml:space="preserve">Human Intent Signals: </a:t>
             </a:r>
             <a:pPr indent="0" marL="0">
               <a:lnSpc>
@@ -13102,7 +13117,7 @@
                 <a:ea typeface="Arial" pitchFamily="34" charset="-122"/>
                 <a:cs typeface="Arial" pitchFamily="34" charset="-120"/>
               </a:rPr>
-              <a:t>Agent-Mediated Signals: </a:t>
+              <a:t xml:space="preserve">Agent-Mediated Signals: </a:t>
             </a:r>
             <a:pPr indent="0" marL="0">
               <a:lnSpc>
@@ -13163,7 +13178,7 @@
                 <a:ea typeface="Arial" pitchFamily="34" charset="-122"/>
                 <a:cs typeface="Arial" pitchFamily="34" charset="-120"/>
               </a:rPr>
-              <a:t>Ghost Signals: </a:t>
+              <a:t xml:space="preserve">Ghost Signals: </a:t>
             </a:r>
             <a:pPr indent="0" marL="0">
               <a:lnSpc>
@@ -13292,7 +13307,7 @@
                 <a:ea typeface="Arial" pitchFamily="34" charset="-122"/>
                 <a:cs typeface="Arial" pitchFamily="34" charset="-120"/>
               </a:rPr>
-              <a:t>The Monday Everything Changed. </a:t>
+              <a:t xml:space="preserve">The Monday Everything Changed. </a:t>
             </a:r>
             <a:pPr indent="0" marL="0">
               <a:lnSpc>
@@ -14791,7 +14806,7 @@
                 <a:ea typeface="Arial" pitchFamily="34" charset="-122"/>
                 <a:cs typeface="Arial" pitchFamily="34" charset="-120"/>
               </a:rPr>
-              <a:t>The Pricing Signal Nobody Is Watching. </a:t>
+              <a:t xml:space="preserve">The Pricing Signal Nobody Is Watching. </a:t>
             </a:r>
             <a:pPr indent="0" marL="0">
               <a:lnSpc>
@@ -15127,7 +15142,7 @@
                 <a:ea typeface="Arial" pitchFamily="34" charset="-122"/>
                 <a:cs typeface="Arial" pitchFamily="34" charset="-120"/>
               </a:rPr>
-              <a:t>The End of Articulated Needs. </a:t>
+              <a:t xml:space="preserve">The End of Articulated Needs. </a:t>
             </a:r>
             <a:pPr indent="0" marL="0">
               <a:lnSpc>
@@ -15291,7 +15306,7 @@
                 <a:ea typeface="Arial" pitchFamily="34" charset="-122"/>
                 <a:cs typeface="Arial" pitchFamily="34" charset="-120"/>
               </a:rPr>
-              <a:t>The Prototype Before You Ask Loop. </a:t>
+              <a:t xml:space="preserve">The Prototype Before You Ask Loop. </a:t>
             </a:r>
             <a:pPr indent="0" marL="0">
               <a:lnSpc>
@@ -15352,7 +15367,7 @@
                 <a:ea typeface="Arial" pitchFamily="34" charset="-122"/>
                 <a:cs typeface="Arial" pitchFamily="34" charset="-120"/>
               </a:rPr>
-              <a:t>The Closed-Loop Trap. </a:t>
+              <a:t xml:space="preserve">The Closed-Loop Trap. </a:t>
             </a:r>
             <a:pPr indent="0" marL="0">
               <a:lnSpc>
@@ -15481,7 +15496,7 @@
                 <a:ea typeface="Arial" pitchFamily="34" charset="-122"/>
                 <a:cs typeface="Arial" pitchFamily="34" charset="-120"/>
               </a:rPr>
-              <a:t>Monday: Build Three Prototypes. </a:t>
+              <a:t xml:space="preserve">Monday: Build Three Prototypes. </a:t>
             </a:r>
             <a:pPr indent="0" marL="0">
               <a:lnSpc>
@@ -15542,7 +15557,7 @@
                 <a:ea typeface="Arial" pitchFamily="34" charset="-122"/>
                 <a:cs typeface="Arial" pitchFamily="34" charset="-120"/>
               </a:rPr>
-              <a:t>Tuesday to Wednesday: Show, Don't Ask. </a:t>
+              <a:t xml:space="preserve">Tuesday to Wednesday: Show, Don't Ask. </a:t>
             </a:r>
             <a:pPr indent="0" marL="0">
               <a:lnSpc>
@@ -15603,7 +15618,7 @@
                 <a:ea typeface="Arial" pitchFamily="34" charset="-122"/>
                 <a:cs typeface="Arial" pitchFamily="34" charset="-120"/>
               </a:rPr>
-              <a:t>Thursday to Friday: Synthesize and Kill. </a:t>
+              <a:t xml:space="preserve">Thursday to Friday: Synthesize and Kill. </a:t>
             </a:r>
             <a:pPr indent="0" marL="0">
               <a:lnSpc>
@@ -15939,7 +15954,7 @@
                 <a:ea typeface="Arial" pitchFamily="34" charset="-122"/>
                 <a:cs typeface="Arial" pitchFamily="34" charset="-120"/>
               </a:rPr>
-              <a:t>The Agent Question. </a:t>
+              <a:t xml:space="preserve">The Agent Question. </a:t>
             </a:r>
             <a:pPr indent="0" marL="0">
               <a:lnSpc>
@@ -16844,7 +16859,7 @@
                 <a:ea typeface="Arial" pitchFamily="34" charset="-122"/>
                 <a:cs typeface="Arial" pitchFamily="34" charset="-120"/>
               </a:rPr>
-              <a:t>The Trust Cost Nobody Talks About. </a:t>
+              <a:t xml:space="preserve">The Trust Cost Nobody Talks About. </a:t>
             </a:r>
             <a:pPr indent="0" marL="0">
               <a:lnSpc>
@@ -16905,7 +16920,7 @@
                 <a:ea typeface="Arial" pitchFamily="34" charset="-122"/>
                 <a:cs typeface="Arial" pitchFamily="34" charset="-120"/>
               </a:rPr>
-              <a:t>The Cursor Incident. </a:t>
+              <a:t xml:space="preserve">The Cursor Incident. </a:t>
             </a:r>
             <a:pPr indent="0" marL="0">
               <a:lnSpc>
@@ -17034,7 +17049,7 @@
                 <a:ea typeface="Arial" pitchFamily="34" charset="-122"/>
                 <a:cs typeface="Arial" pitchFamily="34" charset="-120"/>
               </a:rPr>
-              <a:t>Welcome to Product Management in 2026. </a:t>
+              <a:t xml:space="preserve">Welcome to Product Management in 2026. </a:t>
             </a:r>
             <a:pPr indent="0" marL="0">
               <a:lnSpc>
@@ -17095,7 +17110,7 @@
                 <a:ea typeface="Arial" pitchFamily="34" charset="-122"/>
                 <a:cs typeface="Arial" pitchFamily="34" charset="-120"/>
               </a:rPr>
-              <a:t>But here's what nobody warned you about: </a:t>
+              <a:t xml:space="preserve">But here's what nobody warned you about: </a:t>
             </a:r>
             <a:pPr indent="0" marL="0">
               <a:lnSpc>
@@ -17414,7 +17429,7 @@
                 <a:ea typeface="Arial" pitchFamily="34" charset="-122"/>
                 <a:cs typeface="Arial" pitchFamily="34" charset="-120"/>
               </a:rPr>
-              <a:t>The Incident Nobody Prepared For. </a:t>
+              <a:t xml:space="preserve">The Incident Nobody Prepared For. </a:t>
             </a:r>
             <a:pPr indent="0" marL="0">
               <a:lnSpc>
@@ -17578,7 +17593,7 @@
                 <a:ea typeface="Arial" pitchFamily="34" charset="-122"/>
                 <a:cs typeface="Arial" pitchFamily="34" charset="-120"/>
               </a:rPr>
-              <a:t>Governance as Competitive Moat. </a:t>
+              <a:t xml:space="preserve">Governance as Competitive Moat. </a:t>
             </a:r>
             <a:pPr indent="0" marL="0">
               <a:lnSpc>
@@ -17639,7 +17654,7 @@
                 <a:ea typeface="Arial" pitchFamily="34" charset="-122"/>
                 <a:cs typeface="Arial" pitchFamily="34" charset="-120"/>
               </a:rPr>
-              <a:t>EY and Credo AI Were Right. </a:t>
+              <a:t xml:space="preserve">EY and Credo AI Were Right. </a:t>
             </a:r>
             <a:pPr indent="0" marL="0">
               <a:lnSpc>
@@ -17768,7 +17783,7 @@
                 <a:ea typeface="Arial" pitchFamily="34" charset="-122"/>
                 <a:cs typeface="Arial" pitchFamily="34" charset="-120"/>
               </a:rPr>
-              <a:t>Training Data Provenance. </a:t>
+              <a:t xml:space="preserve">Training Data Provenance. </a:t>
             </a:r>
             <a:pPr indent="0" marL="0">
               <a:lnSpc>
@@ -17829,7 +17844,7 @@
                 <a:ea typeface="Arial" pitchFamily="34" charset="-122"/>
                 <a:cs typeface="Arial" pitchFamily="34" charset="-120"/>
               </a:rPr>
-              <a:t>Output Boundaries. </a:t>
+              <a:t xml:space="preserve">Output Boundaries. </a:t>
             </a:r>
             <a:pPr indent="0" marL="0">
               <a:lnSpc>
@@ -17890,7 +17905,7 @@
                 <a:ea typeface="Arial" pitchFamily="34" charset="-122"/>
                 <a:cs typeface="Arial" pitchFamily="34" charset="-120"/>
               </a:rPr>
-              <a:t>Escalation Paths and Rollback Authority. </a:t>
+              <a:t xml:space="preserve">Escalation Paths and Rollback Authority. </a:t>
             </a:r>
             <a:pPr indent="0" marL="0">
               <a:lnSpc>
@@ -19579,7 +19594,7 @@
                 <a:ea typeface="Arial" pitchFamily="34" charset="-122"/>
                 <a:cs typeface="Arial" pitchFamily="34" charset="-120"/>
               </a:rPr>
-              <a:t>The Tuesday Morning Problem. </a:t>
+              <a:t xml:space="preserve">The Tuesday Morning Problem. </a:t>
             </a:r>
             <a:pPr indent="0" marL="0">
               <a:lnSpc>
@@ -19743,7 +19758,7 @@
                 <a:ea typeface="Arial" pitchFamily="34" charset="-122"/>
                 <a:cs typeface="Arial" pitchFamily="34" charset="-120"/>
               </a:rPr>
-              <a:t>The Dual-Loop Operating Model. </a:t>
+              <a:t xml:space="preserve">The Dual-Loop Operating Model. </a:t>
             </a:r>
             <a:pPr indent="0" marL="0">
               <a:lnSpc>
@@ -19804,7 +19819,7 @@
                 <a:ea typeface="Arial" pitchFamily="34" charset="-122"/>
                 <a:cs typeface="Arial" pitchFamily="34" charset="-120"/>
               </a:rPr>
-              <a:t>Loop 1 (Fast): </a:t>
+              <a:t xml:space="preserve">Loop 1 (Fast): </a:t>
             </a:r>
             <a:pPr indent="0" marL="0">
               <a:lnSpc>
@@ -19865,7 +19880,7 @@
                 <a:ea typeface="Arial" pitchFamily="34" charset="-122"/>
                 <a:cs typeface="Arial" pitchFamily="34" charset="-120"/>
               </a:rPr>
-              <a:t>Loop 2 (Slow): </a:t>
+              <a:t xml:space="preserve">Loop 2 (Slow): </a:t>
             </a:r>
             <a:pPr indent="0" marL="0">
               <a:lnSpc>
@@ -21364,7 +21379,7 @@
                 <a:ea typeface="Arial" pitchFamily="34" charset="-122"/>
                 <a:cs typeface="Arial" pitchFamily="34" charset="-120"/>
               </a:rPr>
-              <a:t>The Kill Review. </a:t>
+              <a:t xml:space="preserve">The Kill Review. </a:t>
             </a:r>
             <a:pPr indent="0" marL="0">
               <a:lnSpc>
@@ -21425,7 +21440,7 @@
                 <a:ea typeface="Arial" pitchFamily="34" charset="-122"/>
                 <a:cs typeface="Arial" pitchFamily="34" charset="-120"/>
               </a:rPr>
-              <a:t>The Signal Standup. </a:t>
+              <a:t xml:space="preserve">The Signal Standup. </a:t>
             </a:r>
             <a:pPr indent="0" marL="0">
               <a:lnSpc>
@@ -21554,7 +21569,7 @@
                 <a:ea typeface="Arial" pitchFamily="34" charset="-122"/>
                 <a:cs typeface="Arial" pitchFamily="34" charset="-120"/>
               </a:rPr>
-              <a:t>The AI Productivity Paradox. </a:t>
+              <a:t xml:space="preserve">The AI Productivity Paradox. </a:t>
             </a:r>
             <a:pPr indent="0" marL="0">
               <a:lnSpc>
@@ -21615,7 +21630,7 @@
                 <a:ea typeface="Arial" pitchFamily="34" charset="-122"/>
                 <a:cs typeface="Arial" pitchFamily="34" charset="-120"/>
               </a:rPr>
-              <a:t>Here's the part that stings: </a:t>
+              <a:t xml:space="preserve">Here's the part that stings: </a:t>
             </a:r>
             <a:pPr indent="0" marL="0">
               <a:lnSpc>
@@ -21744,7 +21759,7 @@
                 <a:ea typeface="Arial" pitchFamily="34" charset="-122"/>
                 <a:cs typeface="Arial" pitchFamily="34" charset="-120"/>
               </a:rPr>
-              <a:t>The Bet Board. </a:t>
+              <a:t xml:space="preserve">The Bet Board. </a:t>
             </a:r>
             <a:pPr indent="0" marL="0">
               <a:lnSpc>
@@ -22098,7 +22113,7 @@
                 <a:ea typeface="Arial" pitchFamily="34" charset="-122"/>
                 <a:cs typeface="Arial" pitchFamily="34" charset="-120"/>
               </a:rPr>
-              <a:t>The Conversation Nobody Wants to Have. </a:t>
+              <a:t xml:space="preserve">The Conversation Nobody Wants to Have. </a:t>
             </a:r>
             <a:pPr indent="0" marL="0">
               <a:lnSpc>
@@ -22159,7 +22174,7 @@
                 <a:ea typeface="Arial" pitchFamily="34" charset="-122"/>
                 <a:cs typeface="Arial" pitchFamily="34" charset="-120"/>
               </a:rPr>
-              <a:t>AI Is Already Better at the Second List. </a:t>
+              <a:t xml:space="preserve">AI Is Already Better at the Second List. </a:t>
             </a:r>
             <a:pPr indent="0" marL="0">
               <a:lnSpc>
@@ -24341,7 +24356,7 @@
                 <a:ea typeface="Arial" pitchFamily="34" charset="-122"/>
                 <a:cs typeface="Arial" pitchFamily="34" charset="-120"/>
               </a:rPr>
-              <a:t>The Polarization of the PM Market. </a:t>
+              <a:t xml:space="preserve">The Polarization of the PM Market. </a:t>
             </a:r>
             <a:pPr indent="0" marL="0">
               <a:lnSpc>
@@ -24505,7 +24520,7 @@
                 <a:ea typeface="Arial" pitchFamily="34" charset="-122"/>
                 <a:cs typeface="Arial" pitchFamily="34" charset="-120"/>
               </a:rPr>
-              <a:t>The Honest Career Conversation. </a:t>
+              <a:t xml:space="preserve">The Honest Career Conversation. </a:t>
             </a:r>
             <a:pPr indent="0" marL="0">
               <a:lnSpc>
@@ -24876,7 +24891,7 @@
                 <a:ea typeface="Arial" pitchFamily="34" charset="-122"/>
                 <a:cs typeface="Arial" pitchFamily="34" charset="-120"/>
               </a:rPr>
-              <a:t>Starting This Week. </a:t>
+              <a:t xml:space="preserve">Starting This Week. </a:t>
             </a:r>
             <a:pPr indent="0" marL="0">
               <a:lnSpc>
@@ -24937,7 +24952,7 @@
                 <a:ea typeface="Arial" pitchFamily="34" charset="-122"/>
                 <a:cs typeface="Arial" pitchFamily="34" charset="-120"/>
               </a:rPr>
-              <a:t>Who This Sprint Is For. </a:t>
+              <a:t xml:space="preserve">Who This Sprint Is For. </a:t>
             </a:r>
             <a:pPr indent="0" marL="0">
               <a:lnSpc>
@@ -25066,7 +25081,7 @@
                 <a:ea typeface="Arial" pitchFamily="34" charset="-122"/>
                 <a:cs typeface="Arial" pitchFamily="34" charset="-120"/>
               </a:rPr>
-              <a:t>Days 1 to 10: Diagnose. </a:t>
+              <a:t xml:space="preserve">Days 1 to 10: Diagnose. </a:t>
             </a:r>
             <a:pPr indent="0" marL="0">
               <a:lnSpc>
@@ -25127,7 +25142,7 @@
                 <a:ea typeface="Arial" pitchFamily="34" charset="-122"/>
                 <a:cs typeface="Arial" pitchFamily="34" charset="-120"/>
               </a:rPr>
-              <a:t>Audit Your Metrics for AI Noise. </a:t>
+              <a:t xml:space="preserve">Audit Your Metrics for AI Noise. </a:t>
             </a:r>
             <a:pPr indent="0" marL="0">
               <a:lnSpc>
@@ -25188,7 +25203,7 @@
                 <a:ea typeface="Arial" pitchFamily="34" charset="-122"/>
                 <a:cs typeface="Arial" pitchFamily="34" charset="-120"/>
               </a:rPr>
-              <a:t>Find the Dead Feature. </a:t>
+              <a:t xml:space="preserve">Find the Dead Feature. </a:t>
             </a:r>
             <a:pPr indent="0" marL="0">
               <a:lnSpc>
@@ -25317,7 +25332,7 @@
                 <a:ea typeface="Arial" pitchFamily="34" charset="-122"/>
                 <a:cs typeface="Arial" pitchFamily="34" charset="-120"/>
               </a:rPr>
-              <a:t>Days 11 to 30: Restructure. </a:t>
+              <a:t xml:space="preserve">Days 11 to 30: Restructure. </a:t>
             </a:r>
             <a:pPr indent="0" marL="0">
               <a:lnSpc>
@@ -25378,7 +25393,7 @@
                 <a:ea typeface="Arial" pitchFamily="34" charset="-122"/>
                 <a:cs typeface="Arial" pitchFamily="34" charset="-120"/>
               </a:rPr>
-              <a:t>Launch the Kill Review. </a:t>
+              <a:t xml:space="preserve">Launch the Kill Review. </a:t>
             </a:r>
             <a:pPr indent="0" marL="0">
               <a:lnSpc>
@@ -25439,7 +25454,7 @@
                 <a:ea typeface="Arial" pitchFamily="34" charset="-122"/>
                 <a:cs typeface="Arial" pitchFamily="34" charset="-120"/>
               </a:rPr>
-              <a:t>Name the Three PMs and Convert Your Roadmap. </a:t>
+              <a:t xml:space="preserve">Name the Three PMs and Convert Your Roadmap. </a:t>
             </a:r>
             <a:pPr indent="0" marL="0">
               <a:lnSpc>
@@ -25568,7 +25583,7 @@
                 <a:ea typeface="Arial" pitchFamily="34" charset="-122"/>
                 <a:cs typeface="Arial" pitchFamily="34" charset="-120"/>
               </a:rPr>
-              <a:t>This Playbook Is About the New Job. </a:t>
+              <a:t xml:space="preserve">This Playbook Is About the New Job. </a:t>
             </a:r>
             <a:pPr indent="0" marL="0">
               <a:lnSpc>
@@ -25629,7 +25644,7 @@
                 <a:ea typeface="Arial" pitchFamily="34" charset="-122"/>
                 <a:cs typeface="Arial" pitchFamily="34" charset="-120"/>
               </a:rPr>
-              <a:t>What Actually Changed. and What Didn't. </a:t>
+              <a:t xml:space="preserve">What Actually Changed. and What Didn't. </a:t>
             </a:r>
             <a:pPr indent="0" marL="0">
               <a:lnSpc>
@@ -25758,7 +25773,7 @@
                 <a:ea typeface="Arial" pitchFamily="34" charset="-122"/>
                 <a:cs typeface="Arial" pitchFamily="34" charset="-120"/>
               </a:rPr>
-              <a:t>Days 31 to 50: Instrument. </a:t>
+              <a:t xml:space="preserve">Days 31 to 50: Instrument. </a:t>
             </a:r>
             <a:pPr indent="0" marL="0">
               <a:lnSpc>
@@ -25819,7 +25834,7 @@
                 <a:ea typeface="Arial" pitchFamily="34" charset="-122"/>
                 <a:cs typeface="Arial" pitchFamily="34" charset="-120"/>
               </a:rPr>
-              <a:t>Set Up AI Output Review. </a:t>
+              <a:t xml:space="preserve">Set Up AI Output Review. </a:t>
             </a:r>
             <a:pPr indent="0" marL="0">
               <a:lnSpc>
@@ -25880,7 +25895,7 @@
                 <a:ea typeface="Arial" pitchFamily="34" charset="-122"/>
                 <a:cs typeface="Arial" pitchFamily="34" charset="-120"/>
               </a:rPr>
-              <a:t>Run One Prototype Before You Ask Cycle. </a:t>
+              <a:t xml:space="preserve">Run One Prototype Before You Ask Cycle. </a:t>
             </a:r>
             <a:pPr indent="0" marL="0">
               <a:lnSpc>
@@ -26009,7 +26024,7 @@
                 <a:ea typeface="Arial" pitchFamily="34" charset="-122"/>
                 <a:cs typeface="Arial" pitchFamily="34" charset="-120"/>
               </a:rPr>
-              <a:t>Days 51 to 60: Lock In. </a:t>
+              <a:t xml:space="preserve">Days 51 to 60: Lock In. </a:t>
             </a:r>
             <a:pPr indent="0" marL="0">
               <a:lnSpc>
@@ -26070,7 +26085,7 @@
                 <a:ea typeface="Arial" pitchFamily="34" charset="-122"/>
                 <a:cs typeface="Arial" pitchFamily="34" charset="-120"/>
               </a:rPr>
-              <a:t>Present the Dual-Loop Operating Model. </a:t>
+              <a:t xml:space="preserve">Present the Dual-Loop Operating Model. </a:t>
             </a:r>
             <a:pPr indent="0" marL="0">
               <a:lnSpc>
@@ -26131,7 +26146,7 @@
                 <a:ea typeface="Arial" pitchFamily="34" charset="-122"/>
                 <a:cs typeface="Arial" pitchFamily="34" charset="-120"/>
               </a:rPr>
-              <a:t>Set 90-Day Targets. </a:t>
+              <a:t xml:space="preserve">Set 90-Day Targets. </a:t>
             </a:r>
             <a:pPr indent="0" marL="0">
               <a:lnSpc>
@@ -26573,7 +26588,7 @@
                 <a:ea typeface="Arial" pitchFamily="34" charset="-122"/>
                 <a:cs typeface="Arial" pitchFamily="34" charset="-120"/>
               </a:rPr>
-              <a:t>The Competitive Scenario. </a:t>
+              <a:t xml:space="preserve">The Competitive Scenario. </a:t>
             </a:r>
             <a:pPr indent="0" marL="0">
               <a:lnSpc>
@@ -26702,7 +26717,7 @@
                 <a:ea typeface="Arial" pitchFamily="34" charset="-122"/>
                 <a:cs typeface="Arial" pitchFamily="34" charset="-120"/>
               </a:rPr>
-              <a:t>The Talent Scenario. </a:t>
+              <a:t xml:space="preserve">The Talent Scenario. </a:t>
             </a:r>
             <a:pPr indent="0" marL="0">
               <a:lnSpc>
@@ -26763,7 +26778,7 @@
                 <a:ea typeface="Arial" pitchFamily="34" charset="-122"/>
                 <a:cs typeface="Arial" pitchFamily="34" charset="-120"/>
               </a:rPr>
-              <a:t>The Migration Has Started. </a:t>
+              <a:t xml:space="preserve">The Migration Has Started. </a:t>
             </a:r>
             <a:pPr indent="0" marL="0">
               <a:lnSpc>
@@ -26892,7 +26907,7 @@
                 <a:ea typeface="Arial" pitchFamily="34" charset="-122"/>
                 <a:cs typeface="Arial" pitchFamily="34" charset="-120"/>
               </a:rPr>
-              <a:t>The Product Scenario. </a:t>
+              <a:t xml:space="preserve">The Product Scenario. </a:t>
             </a:r>
             <a:pPr indent="0" marL="0">
               <a:lnSpc>
@@ -27519,7 +27534,7 @@
                 <a:ea typeface="Arial" pitchFamily="34" charset="-122"/>
                 <a:cs typeface="Arial" pitchFamily="34" charset="-120"/>
               </a:rPr>
-              <a:t>The Choice. </a:t>
+              <a:t xml:space="preserve">The Choice. </a:t>
             </a:r>
             <a:pPr indent="0" marL="0">
               <a:lnSpc>
@@ -27789,7 +27804,7 @@
                 <a:ea typeface="Arial" pitchFamily="34" charset="-122"/>
                 <a:cs typeface="Arial" pitchFamily="34" charset="-120"/>
               </a:rPr>
-              <a:t>What Didn't Change Is What Matters. </a:t>
+              <a:t xml:space="preserve">What Didn't Change Is What Matters. </a:t>
             </a:r>
             <a:pPr indent="0" marL="0">
               <a:lnSpc>
